--- a/Notebook.pptx
+++ b/Notebook.pptx
@@ -26,8 +26,8 @@
     <p:sldId id="273" r:id="rId18"/>
     <p:sldId id="271" r:id="rId19"/>
     <p:sldId id="270" r:id="rId20"/>
-    <p:sldId id="272" r:id="rId21"/>
-    <p:sldId id="259" r:id="rId22"/>
+    <p:sldId id="259" r:id="rId21"/>
+    <p:sldId id="272" r:id="rId22"/>
   </p:sldIdLst>
   <p:sldSz cx="14630400" cy="8229600"/>
   <p:notesSz cx="6858000" cy="9144000"/>
@@ -227,7 +227,7 @@
           <a:p>
             <a:fld id="{87A8DB89-2E68-514A-A000-064E76F6B297}" type="datetimeFigureOut">
               <a:rPr lang="en-US" smtClean="0"/>
-              <a:t>7/24/20</a:t>
+              <a:t>7/26/20</a:t>
             </a:fld>
             <a:endParaRPr lang="en-US"/>
           </a:p>
@@ -393,7 +393,7 @@
           <a:p>
             <a:fld id="{DF3F48C5-3AD3-A145-9284-2678925A2B2A}" type="datetimeFigureOut">
               <a:rPr lang="en-US" smtClean="0"/>
-              <a:t>7/24/20</a:t>
+              <a:t>7/26/20</a:t>
             </a:fld>
             <a:endParaRPr lang="en-US"/>
           </a:p>
@@ -982,7 +982,7 @@
           <a:p>
             <a:fld id="{637CABCB-D56C-884E-86AB-30F175B8F3D9}" type="datetime1">
               <a:rPr lang="en-US" smtClean="0"/>
-              <a:t>7/24/20</a:t>
+              <a:t>7/26/20</a:t>
             </a:fld>
             <a:endParaRPr lang="en-US" dirty="0"/>
           </a:p>
@@ -1209,7 +1209,7 @@
           <a:p>
             <a:fld id="{999F8695-C6EC-BB49-8AC0-FE3E88196CFA}" type="datetime1">
               <a:rPr lang="en-US" smtClean="0"/>
-              <a:t>7/24/20</a:t>
+              <a:t>7/26/20</a:t>
             </a:fld>
             <a:endParaRPr lang="en-US"/>
           </a:p>
@@ -1390,7 +1390,7 @@
           <a:p>
             <a:fld id="{C24766F5-1B44-3E47-BC7D-62D8E9FCA007}" type="datetime1">
               <a:rPr lang="en-US" smtClean="0"/>
-              <a:t>7/24/20</a:t>
+              <a:t>7/26/20</a:t>
             </a:fld>
             <a:endParaRPr lang="en-US"/>
           </a:p>
@@ -1561,7 +1561,7 @@
           <a:p>
             <a:fld id="{C5B3A026-C571-1D40-8E45-1F4574371877}" type="datetime1">
               <a:rPr lang="en-US" smtClean="0"/>
-              <a:t>7/24/20</a:t>
+              <a:t>7/26/20</a:t>
             </a:fld>
             <a:endParaRPr lang="en-US"/>
           </a:p>
@@ -1810,7 +1810,7 @@
           <a:p>
             <a:fld id="{314CC3AF-0E42-4C4A-A179-F8FCAF5DCB7F}" type="datetime1">
               <a:rPr lang="en-US" smtClean="0"/>
-              <a:t>7/24/20</a:t>
+              <a:t>7/26/20</a:t>
             </a:fld>
             <a:endParaRPr lang="en-US" dirty="0"/>
           </a:p>
@@ -2106,7 +2106,7 @@
           <a:p>
             <a:fld id="{12CB2221-2D90-4240-82AD-7910773F0C6F}" type="datetime1">
               <a:rPr lang="en-US" smtClean="0"/>
-              <a:t>7/24/20</a:t>
+              <a:t>7/26/20</a:t>
             </a:fld>
             <a:endParaRPr lang="en-US" dirty="0"/>
           </a:p>
@@ -2528,7 +2528,7 @@
           <a:p>
             <a:fld id="{C2C62612-F347-3143-841F-036B88052148}" type="datetime1">
               <a:rPr lang="en-US" smtClean="0"/>
-              <a:t>7/24/20</a:t>
+              <a:t>7/26/20</a:t>
             </a:fld>
             <a:endParaRPr lang="en-US"/>
           </a:p>
@@ -2649,7 +2649,7 @@
           <a:p>
             <a:fld id="{637486C0-66BC-4549-958B-E077B7733821}" type="datetime1">
               <a:rPr lang="en-US" smtClean="0"/>
-              <a:t>7/24/20</a:t>
+              <a:t>7/26/20</a:t>
             </a:fld>
             <a:endParaRPr lang="en-US"/>
           </a:p>
@@ -2747,7 +2747,7 @@
           <a:p>
             <a:fld id="{AE377780-455D-1F45-B0B5-74FBC2B86976}" type="datetime1">
               <a:rPr lang="en-US" smtClean="0"/>
-              <a:t>7/24/20</a:t>
+              <a:t>7/26/20</a:t>
             </a:fld>
             <a:endParaRPr lang="en-US" dirty="0"/>
           </a:p>
@@ -3025,7 +3025,7 @@
           <a:p>
             <a:fld id="{72F31806-E3B8-A342-A61E-68D698DB3756}" type="datetime1">
               <a:rPr lang="en-US" smtClean="0"/>
-              <a:t>7/24/20</a:t>
+              <a:t>7/26/20</a:t>
             </a:fld>
             <a:endParaRPr lang="en-US"/>
           </a:p>
@@ -3283,7 +3283,7 @@
           <a:p>
             <a:fld id="{4D385D7D-7620-9340-953F-B625371285B5}" type="datetime1">
               <a:rPr lang="en-US" smtClean="0"/>
-              <a:t>7/24/20</a:t>
+              <a:t>7/26/20</a:t>
             </a:fld>
             <a:endParaRPr lang="en-US"/>
           </a:p>
@@ -3530,7 +3530,7 @@
             <a:fld id="{A2C0A6D4-36C6-A242-ABF6-C9F806143E20}" type="datetime1">
               <a:rPr lang="en-US" smtClean="0"/>
               <a:pPr/>
-              <a:t>7/24/20</a:t>
+              <a:t>7/26/20</a:t>
             </a:fld>
             <a:endParaRPr lang="en-US" dirty="0"/>
           </a:p>
@@ -4352,64 +4352,6 @@
       </p:sp>
       <p:sp>
         <p:nvSpPr>
-          <p:cNvPr id="4" name="Date Placeholder 3">
-            <a:extLst>
-              <a:ext uri="{FF2B5EF4-FFF2-40B4-BE49-F238E27FC236}">
-                <a16:creationId xmlns:a16="http://schemas.microsoft.com/office/drawing/2014/main" id="{EC005529-F82F-7646-AA47-93C8D9BAE018}"/>
-              </a:ext>
-            </a:extLst>
-          </p:cNvPr>
-          <p:cNvSpPr>
-            <a:spLocks noGrp="1"/>
-          </p:cNvSpPr>
-          <p:nvPr>
-            <p:ph type="dt" sz="half" idx="10"/>
-          </p:nvPr>
-        </p:nvSpPr>
-        <p:spPr/>
-        <p:txBody>
-          <a:bodyPr/>
-          <a:lstStyle/>
-          <a:p>
-            <a:fld id="{C5B3A026-C571-1D40-8E45-1F4574371877}" type="datetime1">
-              <a:rPr lang="en-US" smtClean="0"/>
-              <a:t>7/24/20</a:t>
-            </a:fld>
-            <a:endParaRPr lang="en-US"/>
-          </a:p>
-        </p:txBody>
-      </p:sp>
-      <p:sp>
-        <p:nvSpPr>
-          <p:cNvPr id="5" name="Footer Placeholder 4">
-            <a:extLst>
-              <a:ext uri="{FF2B5EF4-FFF2-40B4-BE49-F238E27FC236}">
-                <a16:creationId xmlns:a16="http://schemas.microsoft.com/office/drawing/2014/main" id="{8FB8CDF7-A105-DA43-B624-131629C4BFBD}"/>
-              </a:ext>
-            </a:extLst>
-          </p:cNvPr>
-          <p:cNvSpPr>
-            <a:spLocks noGrp="1"/>
-          </p:cNvSpPr>
-          <p:nvPr>
-            <p:ph type="ftr" sz="quarter" idx="11"/>
-          </p:nvPr>
-        </p:nvSpPr>
-        <p:spPr/>
-        <p:txBody>
-          <a:bodyPr/>
-          <a:lstStyle/>
-          <a:p>
-            <a:r>
-              <a:rPr lang="en-US"/>
-              <a:t>Company Confidential  © 2017 Eli Lilly and Company </a:t>
-            </a:r>
-            <a:endParaRPr lang="en-US" dirty="0"/>
-          </a:p>
-        </p:txBody>
-      </p:sp>
-      <p:sp>
-        <p:nvSpPr>
           <p:cNvPr id="6" name="Slide Number Placeholder 5">
             <a:extLst>
               <a:ext uri="{FF2B5EF4-FFF2-40B4-BE49-F238E27FC236}">
@@ -4937,7 +4879,7 @@
           <p:cNvPr id="2" name="Title 1">
             <a:extLst>
               <a:ext uri="{FF2B5EF4-FFF2-40B4-BE49-F238E27FC236}">
-                <a16:creationId xmlns:a16="http://schemas.microsoft.com/office/drawing/2014/main" id="{19ADDD8E-9F21-C74C-925D-DA9C76CDFA54}"/>
+                <a16:creationId xmlns:a16="http://schemas.microsoft.com/office/drawing/2014/main" id="{2872A476-B486-914E-9E91-2328FB2EEB37}"/>
               </a:ext>
             </a:extLst>
           </p:cNvPr>
@@ -4955,7 +4897,7 @@
           <a:p>
             <a:r>
               <a:rPr lang="en-US" dirty="0"/>
-              <a:t>Extra slides</a:t>
+              <a:t>Tobias Hendricks</a:t>
             </a:r>
           </a:p>
         </p:txBody>
@@ -4965,7 +4907,7 @@
           <p:cNvPr id="3" name="Content Placeholder 2">
             <a:extLst>
               <a:ext uri="{FF2B5EF4-FFF2-40B4-BE49-F238E27FC236}">
-                <a16:creationId xmlns:a16="http://schemas.microsoft.com/office/drawing/2014/main" id="{72EBBE7E-58D7-3747-9B47-129D52AC02A5}"/>
+                <a16:creationId xmlns:a16="http://schemas.microsoft.com/office/drawing/2014/main" id="{7A0075EE-9639-594A-B366-F901395C0A22}"/>
               </a:ext>
             </a:extLst>
           </p:cNvPr>
@@ -4981,6 +4923,30 @@
           <a:bodyPr/>
           <a:lstStyle/>
           <a:p>
+            <a:r>
+              <a:rPr lang="en-US" dirty="0"/>
+              <a:t>Eli Lilly – Security Analytics</a:t>
+            </a:r>
+          </a:p>
+          <a:p>
+            <a:r>
+              <a:rPr lang="en-US" dirty="0"/>
+              <a:t>@xcelr8, LinkedIn</a:t>
+            </a:r>
+          </a:p>
+          <a:p>
+            <a:r>
+              <a:rPr lang="en-US" dirty="0"/>
+              <a:t>Defense, Defense Contracting, Manufacturing, Energy, Insurance, Pharmaceutical</a:t>
+            </a:r>
+          </a:p>
+          <a:p>
+            <a:r>
+              <a:rPr lang="en-US" dirty="0"/>
+              <a:t>Data Science wannabe</a:t>
+            </a:r>
+          </a:p>
+          <a:p>
             <a:endParaRPr lang="en-US" dirty="0"/>
           </a:p>
         </p:txBody>
@@ -4988,7 +4954,7 @@
     </p:spTree>
     <p:extLst>
       <p:ext uri="{BB962C8B-B14F-4D97-AF65-F5344CB8AC3E}">
-        <p14:creationId xmlns:p14="http://schemas.microsoft.com/office/powerpoint/2010/main" val="2686191229"/>
+        <p14:creationId xmlns:p14="http://schemas.microsoft.com/office/powerpoint/2010/main" val="1478173624"/>
       </p:ext>
     </p:extLst>
   </p:cSld>
@@ -5020,7 +4986,7 @@
           <p:cNvPr id="2" name="Title 1">
             <a:extLst>
               <a:ext uri="{FF2B5EF4-FFF2-40B4-BE49-F238E27FC236}">
-                <a16:creationId xmlns:a16="http://schemas.microsoft.com/office/drawing/2014/main" id="{2872A476-B486-914E-9E91-2328FB2EEB37}"/>
+                <a16:creationId xmlns:a16="http://schemas.microsoft.com/office/drawing/2014/main" id="{19ADDD8E-9F21-C74C-925D-DA9C76CDFA54}"/>
               </a:ext>
             </a:extLst>
           </p:cNvPr>
@@ -5038,7 +5004,7 @@
           <a:p>
             <a:r>
               <a:rPr lang="en-US" dirty="0"/>
-              <a:t>Introduction: Tobias Hendricks</a:t>
+              <a:t>Extra slides</a:t>
             </a:r>
           </a:p>
         </p:txBody>
@@ -5048,7 +5014,7 @@
           <p:cNvPr id="3" name="Content Placeholder 2">
             <a:extLst>
               <a:ext uri="{FF2B5EF4-FFF2-40B4-BE49-F238E27FC236}">
-                <a16:creationId xmlns:a16="http://schemas.microsoft.com/office/drawing/2014/main" id="{7A0075EE-9639-594A-B366-F901395C0A22}"/>
+                <a16:creationId xmlns:a16="http://schemas.microsoft.com/office/drawing/2014/main" id="{72EBBE7E-58D7-3747-9B47-129D52AC02A5}"/>
               </a:ext>
             </a:extLst>
           </p:cNvPr>
@@ -5064,24 +5030,6 @@
           <a:bodyPr/>
           <a:lstStyle/>
           <a:p>
-            <a:r>
-              <a:rPr lang="en-US" dirty="0"/>
-              <a:t>Eli Lilly – Security Analytics</a:t>
-            </a:r>
-          </a:p>
-          <a:p>
-            <a:r>
-              <a:rPr lang="en-US" dirty="0"/>
-              <a:t>Defense, Defense Contracting, Manufacturing, Energy, Insurance, Pharmaceutical</a:t>
-            </a:r>
-          </a:p>
-          <a:p>
-            <a:r>
-              <a:rPr lang="en-US" dirty="0"/>
-              <a:t>Data Science wannabe</a:t>
-            </a:r>
-          </a:p>
-          <a:p>
             <a:endParaRPr lang="en-US" dirty="0"/>
           </a:p>
         </p:txBody>
@@ -5089,7 +5037,7 @@
     </p:spTree>
     <p:extLst>
       <p:ext uri="{BB962C8B-B14F-4D97-AF65-F5344CB8AC3E}">
-        <p14:creationId xmlns:p14="http://schemas.microsoft.com/office/powerpoint/2010/main" val="1478173624"/>
+        <p14:creationId xmlns:p14="http://schemas.microsoft.com/office/powerpoint/2010/main" val="2686191229"/>
       </p:ext>
     </p:extLst>
   </p:cSld>
@@ -5611,67 +5559,9 @@
           </a:p>
           <a:p>
             <a:r>
-              <a:rPr lang="en-US"/>
+              <a:rPr lang="en-US" dirty="0"/>
               <a:t>Hot keys and magic</a:t>
             </a:r>
-          </a:p>
-        </p:txBody>
-      </p:sp>
-      <p:sp>
-        <p:nvSpPr>
-          <p:cNvPr id="4" name="Date Placeholder 3">
-            <a:extLst>
-              <a:ext uri="{FF2B5EF4-FFF2-40B4-BE49-F238E27FC236}">
-                <a16:creationId xmlns:a16="http://schemas.microsoft.com/office/drawing/2014/main" id="{2060AA41-ABD9-D34A-BA0B-D18242CDDED9}"/>
-              </a:ext>
-            </a:extLst>
-          </p:cNvPr>
-          <p:cNvSpPr>
-            <a:spLocks noGrp="1"/>
-          </p:cNvSpPr>
-          <p:nvPr>
-            <p:ph type="dt" sz="half" idx="10"/>
-          </p:nvPr>
-        </p:nvSpPr>
-        <p:spPr/>
-        <p:txBody>
-          <a:bodyPr/>
-          <a:lstStyle/>
-          <a:p>
-            <a:fld id="{C5B3A026-C571-1D40-8E45-1F4574371877}" type="datetime1">
-              <a:rPr lang="en-US" smtClean="0"/>
-              <a:t>7/24/20</a:t>
-            </a:fld>
-            <a:endParaRPr lang="en-US"/>
-          </a:p>
-        </p:txBody>
-      </p:sp>
-      <p:sp>
-        <p:nvSpPr>
-          <p:cNvPr id="5" name="Footer Placeholder 4">
-            <a:extLst>
-              <a:ext uri="{FF2B5EF4-FFF2-40B4-BE49-F238E27FC236}">
-                <a16:creationId xmlns:a16="http://schemas.microsoft.com/office/drawing/2014/main" id="{095805A8-E6FC-DD41-BCC8-0E8AFEF5FC4B}"/>
-              </a:ext>
-            </a:extLst>
-          </p:cNvPr>
-          <p:cNvSpPr>
-            <a:spLocks noGrp="1"/>
-          </p:cNvSpPr>
-          <p:nvPr>
-            <p:ph type="ftr" sz="quarter" idx="11"/>
-          </p:nvPr>
-        </p:nvSpPr>
-        <p:spPr/>
-        <p:txBody>
-          <a:bodyPr/>
-          <a:lstStyle/>
-          <a:p>
-            <a:r>
-              <a:rPr lang="en-US"/>
-              <a:t>Company Confidential  © 2017 Eli Lilly and Company </a:t>
-            </a:r>
-            <a:endParaRPr lang="en-US" dirty="0"/>
           </a:p>
         </p:txBody>
       </p:sp>
@@ -7190,11 +7080,6 @@
 
 <file path=customXml/item1.xml><?xml version="1.0" encoding="utf-8"?>
 <?mso-contentType ?>
-<SharedContentType xmlns="Microsoft.SharePoint.Taxonomy.ContentTypeSync" SourceId="dc7d05db-9a88-43f7-9979-b3027636d983" ContentTypeId="0x0101" PreviousValue="false"/>
-</file>
-
-<file path=customXml/item2.xml><?xml version="1.0" encoding="utf-8"?>
-<?mso-contentType ?>
 <FormTemplates xmlns="http://schemas.microsoft.com/sharepoint/v3/contenttype/forms">
   <Display>DocumentLibraryForm</Display>
   <Edit>DocumentLibraryForm</Edit>
@@ -7202,44 +7087,12 @@
 </FormTemplates>
 </file>
 
-<file path=customXml/item3.xml><?xml version="1.0" encoding="utf-8"?>
-<p:properties xmlns:p="http://schemas.microsoft.com/office/2006/metadata/properties" xmlns:xsi="http://www.w3.org/2001/XMLSchema-instance" xmlns:pc="http://schemas.microsoft.com/office/infopath/2007/PartnerControls">
-  <documentManagement>
-    <EnterpriseDocumentLanguageTaxHTField0 xmlns="33648e8c-5399-4ce0-994e-2f4ddb1c4614">
-      <Terms xmlns="http://schemas.microsoft.com/office/infopath/2007/PartnerControls">
-        <TermInfo xmlns="http://schemas.microsoft.com/office/infopath/2007/PartnerControls">
-          <TermName xmlns="http://schemas.microsoft.com/office/infopath/2007/PartnerControls">eng</TermName>
-          <TermId xmlns="http://schemas.microsoft.com/office/infopath/2007/PartnerControls">39540796-0396-4e54-afe9-a602f28bbe8f</TermId>
-        </TermInfo>
-      </Terms>
-    </EnterpriseDocumentLanguageTaxHTField0>
-    <EnterpriseRecordSeriesCodeTaxHTField0 xmlns="33648e8c-5399-4ce0-994e-2f4ddb1c4614">
-      <Terms xmlns="http://schemas.microsoft.com/office/infopath/2007/PartnerControls">
-        <TermInfo xmlns="http://schemas.microsoft.com/office/infopath/2007/PartnerControls">
-          <TermName xmlns="http://schemas.microsoft.com/office/infopath/2007/PartnerControls">ADM140</TermName>
-          <TermId xmlns="http://schemas.microsoft.com/office/infopath/2007/PartnerControls">fdc85ba1-0671-407c-9ace-d011131f3a70</TermId>
-        </TermInfo>
-      </Terms>
-    </EnterpriseRecordSeriesCodeTaxHTField0>
-    <TaxCatchAll xmlns="33648e8c-5399-4ce0-994e-2f4ddb1c4614">
-      <Value>5</Value>
-      <Value>2</Value>
-    </TaxCatchAll>
-    <Category xmlns="305c81f2-3be3-4a23-9fdd-c5c1eaeb750b">Presentation</Category>
-    <ForMedical_x002f_Scientific_x003f_ xmlns="305c81f2-3be3-4a23-9fdd-c5c1eaeb750b" xsi:nil="true"/>
-    <Format xmlns="305c81f2-3be3-4a23-9fdd-c5c1eaeb750b">PowerPoint</Format>
-    <Use xmlns="305c81f2-3be3-4a23-9fdd-c5c1eaeb750b">External and Internal</Use>
-    <AspectRatio xmlns="305c81f2-3be3-4a23-9fdd-c5c1eaeb750b">16:9</AspectRatio>
-    <Thumbnail xmlns="305c81f2-3be3-4a23-9fdd-c5c1eaeb750b">
-      <Url xsi:nil="true"/>
-      <Description xsi:nil="true"/>
-    </Thumbnail>
-    <SortOrd xmlns="305c81f2-3be3-4a23-9fdd-c5c1eaeb750b" xsi:nil="true"/>
-  </documentManagement>
-</p:properties>
+<file path=customXml/item2.xml><?xml version="1.0" encoding="utf-8"?>
+<?mso-contentType ?>
+<SharedContentType xmlns="Microsoft.SharePoint.Taxonomy.ContentTypeSync" SourceId="dc7d05db-9a88-43f7-9979-b3027636d983" ContentTypeId="0x0101" PreviousValue="false"/>
 </file>
 
-<file path=customXml/item4.xml><?xml version="1.0" encoding="utf-8"?>
+<file path=customXml/item3.xml><?xml version="1.0" encoding="utf-8"?>
 <ct:contentTypeSchema xmlns:ct="http://schemas.microsoft.com/office/2006/metadata/contentType" xmlns:ma="http://schemas.microsoft.com/office/2006/metadata/properties/metaAttributes" ct:_="" ma:_="" ma:contentTypeName="Document" ma:contentTypeID="0x0101007D78528B139DC24C8DA778825C19EA9C" ma:contentTypeVersion="11" ma:contentTypeDescription="Create a new document." ma:contentTypeScope="" ma:versionID="e23f97e8ff878794af11ecf9b33c1fa0">
   <xsd:schema xmlns:xsd="http://www.w3.org/2001/XMLSchema" xmlns:xs="http://www.w3.org/2001/XMLSchema" xmlns:p="http://schemas.microsoft.com/office/2006/metadata/properties" xmlns:ns2="33648e8c-5399-4ce0-994e-2f4ddb1c4614" xmlns:ns3="305c81f2-3be3-4a23-9fdd-c5c1eaeb750b" targetNamespace="http://schemas.microsoft.com/office/2006/metadata/properties" ma:root="true" ma:fieldsID="995423e21e6b203d41fff0e59cc19b34" ns2:_="" ns3:_="">
     <xsd:import namespace="33648e8c-5399-4ce0-994e-2f4ddb1c4614"/>
@@ -7485,7 +7338,52 @@
 </ct:contentTypeSchema>
 </file>
 
+<file path=customXml/item4.xml><?xml version="1.0" encoding="utf-8"?>
+<p:properties xmlns:p="http://schemas.microsoft.com/office/2006/metadata/properties" xmlns:xsi="http://www.w3.org/2001/XMLSchema-instance" xmlns:pc="http://schemas.microsoft.com/office/infopath/2007/PartnerControls">
+  <documentManagement>
+    <EnterpriseDocumentLanguageTaxHTField0 xmlns="33648e8c-5399-4ce0-994e-2f4ddb1c4614">
+      <Terms xmlns="http://schemas.microsoft.com/office/infopath/2007/PartnerControls">
+        <TermInfo xmlns="http://schemas.microsoft.com/office/infopath/2007/PartnerControls">
+          <TermName xmlns="http://schemas.microsoft.com/office/infopath/2007/PartnerControls">eng</TermName>
+          <TermId xmlns="http://schemas.microsoft.com/office/infopath/2007/PartnerControls">39540796-0396-4e54-afe9-a602f28bbe8f</TermId>
+        </TermInfo>
+      </Terms>
+    </EnterpriseDocumentLanguageTaxHTField0>
+    <EnterpriseRecordSeriesCodeTaxHTField0 xmlns="33648e8c-5399-4ce0-994e-2f4ddb1c4614">
+      <Terms xmlns="http://schemas.microsoft.com/office/infopath/2007/PartnerControls">
+        <TermInfo xmlns="http://schemas.microsoft.com/office/infopath/2007/PartnerControls">
+          <TermName xmlns="http://schemas.microsoft.com/office/infopath/2007/PartnerControls">ADM140</TermName>
+          <TermId xmlns="http://schemas.microsoft.com/office/infopath/2007/PartnerControls">fdc85ba1-0671-407c-9ace-d011131f3a70</TermId>
+        </TermInfo>
+      </Terms>
+    </EnterpriseRecordSeriesCodeTaxHTField0>
+    <TaxCatchAll xmlns="33648e8c-5399-4ce0-994e-2f4ddb1c4614">
+      <Value>5</Value>
+      <Value>2</Value>
+    </TaxCatchAll>
+    <Category xmlns="305c81f2-3be3-4a23-9fdd-c5c1eaeb750b">Presentation</Category>
+    <ForMedical_x002f_Scientific_x003f_ xmlns="305c81f2-3be3-4a23-9fdd-c5c1eaeb750b" xsi:nil="true"/>
+    <Format xmlns="305c81f2-3be3-4a23-9fdd-c5c1eaeb750b">PowerPoint</Format>
+    <Use xmlns="305c81f2-3be3-4a23-9fdd-c5c1eaeb750b">External and Internal</Use>
+    <AspectRatio xmlns="305c81f2-3be3-4a23-9fdd-c5c1eaeb750b">16:9</AspectRatio>
+    <Thumbnail xmlns="305c81f2-3be3-4a23-9fdd-c5c1eaeb750b">
+      <Url xsi:nil="true"/>
+      <Description xsi:nil="true"/>
+    </Thumbnail>
+    <SortOrd xmlns="305c81f2-3be3-4a23-9fdd-c5c1eaeb750b" xsi:nil="true"/>
+  </documentManagement>
+</p:properties>
+</file>
+
 <file path=customXml/itemProps1.xml><?xml version="1.0" encoding="utf-8"?>
+<ds:datastoreItem xmlns:ds="http://schemas.openxmlformats.org/officeDocument/2006/customXml" ds:itemID="{5E9A777A-81C7-49B5-84D9-A4E22ED692CF}">
+  <ds:schemaRefs>
+    <ds:schemaRef ds:uri="http://schemas.microsoft.com/sharepoint/v3/contenttype/forms"/>
+  </ds:schemaRefs>
+</ds:datastoreItem>
+</file>
+
+<file path=customXml/itemProps2.xml><?xml version="1.0" encoding="utf-8"?>
 <ds:datastoreItem xmlns:ds="http://schemas.openxmlformats.org/officeDocument/2006/customXml" ds:itemID="{550D15B5-FBED-4C24-9B5D-2D897F91461E}">
   <ds:schemaRefs>
     <ds:schemaRef ds:uri="Microsoft.SharePoint.Taxonomy.ContentTypeSync"/>
@@ -7493,26 +7391,7 @@
 </ds:datastoreItem>
 </file>
 
-<file path=customXml/itemProps2.xml><?xml version="1.0" encoding="utf-8"?>
-<ds:datastoreItem xmlns:ds="http://schemas.openxmlformats.org/officeDocument/2006/customXml" ds:itemID="{5E9A777A-81C7-49B5-84D9-A4E22ED692CF}">
-  <ds:schemaRefs>
-    <ds:schemaRef ds:uri="http://schemas.microsoft.com/sharepoint/v3/contenttype/forms"/>
-  </ds:schemaRefs>
-</ds:datastoreItem>
-</file>
-
 <file path=customXml/itemProps3.xml><?xml version="1.0" encoding="utf-8"?>
-<ds:datastoreItem xmlns:ds="http://schemas.openxmlformats.org/officeDocument/2006/customXml" ds:itemID="{63BA8C65-6B91-4A84-A621-C4FD60E7FE35}">
-  <ds:schemaRefs>
-    <ds:schemaRef ds:uri="http://schemas.microsoft.com/office/2006/metadata/properties"/>
-    <ds:schemaRef ds:uri="http://schemas.microsoft.com/office/infopath/2007/PartnerControls"/>
-    <ds:schemaRef ds:uri="33648e8c-5399-4ce0-994e-2f4ddb1c4614"/>
-    <ds:schemaRef ds:uri="305c81f2-3be3-4a23-9fdd-c5c1eaeb750b"/>
-  </ds:schemaRefs>
-</ds:datastoreItem>
-</file>
-
-<file path=customXml/itemProps4.xml><?xml version="1.0" encoding="utf-8"?>
 <ds:datastoreItem xmlns:ds="http://schemas.openxmlformats.org/officeDocument/2006/customXml" ds:itemID="{7329B255-8FA7-4151-90F0-87DDBD6977AB}">
   <ds:schemaRefs>
     <ds:schemaRef ds:uri="http://schemas.microsoft.com/office/2006/metadata/contentType"/>
@@ -7529,4 +7408,15 @@
     <ds:schemaRef ds:uri="http://schemas.microsoft.com/internal/obd"/>
   </ds:schemaRefs>
 </ds:datastoreItem>
+</file>
+
+<file path=customXml/itemProps4.xml><?xml version="1.0" encoding="utf-8"?>
+<ds:datastoreItem xmlns:ds="http://schemas.openxmlformats.org/officeDocument/2006/customXml" ds:itemID="{63BA8C65-6B91-4A84-A621-C4FD60E7FE35}">
+  <ds:schemaRefs>
+    <ds:schemaRef ds:uri="http://schemas.microsoft.com/office/2006/metadata/properties"/>
+    <ds:schemaRef ds:uri="http://schemas.microsoft.com/office/infopath/2007/PartnerControls"/>
+    <ds:schemaRef ds:uri="33648e8c-5399-4ce0-994e-2f4ddb1c4614"/>
+    <ds:schemaRef ds:uri="305c81f2-3be3-4a23-9fdd-c5c1eaeb750b"/>
+  </ds:schemaRefs>
+</ds:datastoreItem>
 </file>
--- a/Notebook.pptx
+++ b/Notebook.pptx
@@ -5,10 +5,10 @@
     <p:sldMasterId id="2147483648" r:id="rId5"/>
   </p:sldMasterIdLst>
   <p:notesMasterIdLst>
-    <p:notesMasterId r:id="rId23"/>
+    <p:notesMasterId r:id="rId21"/>
   </p:notesMasterIdLst>
   <p:handoutMasterIdLst>
-    <p:handoutMasterId r:id="rId24"/>
+    <p:handoutMasterId r:id="rId22"/>
   </p:handoutMasterIdLst>
   <p:sldIdLst>
     <p:sldId id="257" r:id="rId6"/>
@@ -24,10 +24,8 @@
     <p:sldId id="269" r:id="rId16"/>
     <p:sldId id="274" r:id="rId17"/>
     <p:sldId id="273" r:id="rId18"/>
-    <p:sldId id="271" r:id="rId19"/>
-    <p:sldId id="270" r:id="rId20"/>
-    <p:sldId id="259" r:id="rId21"/>
-    <p:sldId id="272" r:id="rId22"/>
+    <p:sldId id="270" r:id="rId19"/>
+    <p:sldId id="259" r:id="rId20"/>
   </p:sldIdLst>
   <p:sldSz cx="14630400" cy="8229600"/>
   <p:notesSz cx="6858000" cy="9144000"/>
@@ -4609,7 +4607,7 @@
           <p:cNvPr id="2" name="Title 1">
             <a:extLst>
               <a:ext uri="{FF2B5EF4-FFF2-40B4-BE49-F238E27FC236}">
-                <a16:creationId xmlns:a16="http://schemas.microsoft.com/office/drawing/2014/main" id="{8F920897-A1D4-4C49-B38E-9819C6326D4C}"/>
+                <a16:creationId xmlns:a16="http://schemas.microsoft.com/office/drawing/2014/main" id="{CF1C515A-C38C-1A40-AABA-AE24A0EC535C}"/>
               </a:ext>
             </a:extLst>
           </p:cNvPr>
@@ -4627,7 +4625,7 @@
           <a:p>
             <a:r>
               <a:rPr lang="en-US" dirty="0"/>
-              <a:t>Integrate: The Fatigue is Real</a:t>
+              <a:t>Innovate: Getting started</a:t>
             </a:r>
           </a:p>
         </p:txBody>
@@ -4637,7 +4635,7 @@
           <p:cNvPr id="3" name="Content Placeholder 2">
             <a:extLst>
               <a:ext uri="{FF2B5EF4-FFF2-40B4-BE49-F238E27FC236}">
-                <a16:creationId xmlns:a16="http://schemas.microsoft.com/office/drawing/2014/main" id="{6084B07D-7186-6C43-B472-5C0292969889}"/>
+                <a16:creationId xmlns:a16="http://schemas.microsoft.com/office/drawing/2014/main" id="{D7FA2D18-38A7-114E-8EA6-45DCDA0E2821}"/>
               </a:ext>
             </a:extLst>
           </p:cNvPr>
@@ -4650,44 +4648,94 @@
         </p:nvSpPr>
         <p:spPr/>
         <p:txBody>
-          <a:bodyPr/>
-          <a:lstStyle/>
-          <a:p>
-            <a:r>
-              <a:rPr lang="en-US" dirty="0"/>
-              <a:t>Dozens/hundreds of events</a:t>
-            </a:r>
-          </a:p>
-          <a:p>
-            <a:r>
-              <a:rPr lang="en-US" dirty="0"/>
-              <a:t>Vague detection</a:t>
-            </a:r>
-          </a:p>
-          <a:p>
-            <a:r>
-              <a:rPr lang="en-US" dirty="0"/>
-              <a:t>Status quo bias – and others</a:t>
-            </a:r>
-          </a:p>
-          <a:p>
-            <a:r>
-              <a:rPr lang="en-US" dirty="0"/>
-              <a:t>Skill degradation</a:t>
-            </a:r>
-          </a:p>
-          <a:p>
-            <a:r>
-              <a:rPr lang="en-US" dirty="0"/>
-              <a:t>How can notebooks help?</a:t>
-            </a:r>
+          <a:bodyPr>
+            <a:normAutofit lnSpcReduction="10000"/>
+          </a:bodyPr>
+          <a:lstStyle/>
+          <a:p>
+            <a:r>
+              <a:rPr lang="en-US" dirty="0"/>
+              <a:t>Evaluate – environment, experience</a:t>
+            </a:r>
+          </a:p>
+          <a:p>
+            <a:r>
+              <a:rPr lang="en-US" dirty="0"/>
+              <a:t>Get some tech</a:t>
+            </a:r>
+          </a:p>
+          <a:p>
+            <a:pPr lvl="1"/>
+            <a:r>
+              <a:rPr lang="en-US" dirty="0"/>
+              <a:t>Anaconda</a:t>
+            </a:r>
+          </a:p>
+          <a:p>
+            <a:pPr lvl="1"/>
+            <a:r>
+              <a:rPr lang="en-US" dirty="0"/>
+              <a:t>Docker</a:t>
+            </a:r>
+          </a:p>
+          <a:p>
+            <a:pPr lvl="2"/>
+            <a:r>
+              <a:rPr lang="en-US" dirty="0"/>
+              <a:t>Anaconda</a:t>
+            </a:r>
+          </a:p>
+          <a:p>
+            <a:pPr lvl="2"/>
+            <a:r>
+              <a:rPr lang="en-US" dirty="0"/>
+              <a:t>Zeppelin</a:t>
+            </a:r>
+          </a:p>
+          <a:p>
+            <a:pPr lvl="2"/>
+            <a:r>
+              <a:rPr lang="en-US" dirty="0" err="1"/>
+              <a:t>JupyterHub</a:t>
+            </a:r>
+            <a:endParaRPr lang="en-US" dirty="0"/>
+          </a:p>
+          <a:p>
+            <a:r>
+              <a:rPr lang="en-US" dirty="0"/>
+              <a:t>Start </a:t>
+            </a:r>
+            <a:r>
+              <a:rPr lang="en-US" dirty="0" err="1"/>
+              <a:t>notebooking</a:t>
+            </a:r>
+            <a:r>
+              <a:rPr lang="en-US" dirty="0"/>
+              <a:t> – </a:t>
+            </a:r>
+            <a:r>
+              <a:rPr lang="en-US" dirty="0" err="1"/>
+              <a:t>github</a:t>
+            </a:r>
+            <a:r>
+              <a:rPr lang="en-US" dirty="0"/>
+              <a:t>, blogs</a:t>
+            </a:r>
+          </a:p>
+          <a:p>
+            <a:pPr lvl="1"/>
+            <a:endParaRPr lang="en-US" dirty="0"/>
+          </a:p>
+          <a:p>
+            <a:pPr lvl="1"/>
+            <a:endParaRPr lang="en-US" dirty="0"/>
           </a:p>
         </p:txBody>
       </p:sp>
     </p:spTree>
     <p:extLst>
       <p:ext uri="{BB962C8B-B14F-4D97-AF65-F5344CB8AC3E}">
-        <p14:creationId xmlns:p14="http://schemas.microsoft.com/office/powerpoint/2010/main" val="2692313916"/>
+        <p14:creationId xmlns:p14="http://schemas.microsoft.com/office/powerpoint/2010/main" val="2685553469"/>
       </p:ext>
     </p:extLst>
   </p:cSld>
@@ -4719,166 +4767,6 @@
           <p:cNvPr id="2" name="Title 1">
             <a:extLst>
               <a:ext uri="{FF2B5EF4-FFF2-40B4-BE49-F238E27FC236}">
-                <a16:creationId xmlns:a16="http://schemas.microsoft.com/office/drawing/2014/main" id="{CF1C515A-C38C-1A40-AABA-AE24A0EC535C}"/>
-              </a:ext>
-            </a:extLst>
-          </p:cNvPr>
-          <p:cNvSpPr>
-            <a:spLocks noGrp="1"/>
-          </p:cNvSpPr>
-          <p:nvPr>
-            <p:ph type="title"/>
-          </p:nvPr>
-        </p:nvSpPr>
-        <p:spPr/>
-        <p:txBody>
-          <a:bodyPr/>
-          <a:lstStyle/>
-          <a:p>
-            <a:r>
-              <a:rPr lang="en-US" dirty="0"/>
-              <a:t>Innovate: Getting started</a:t>
-            </a:r>
-          </a:p>
-        </p:txBody>
-      </p:sp>
-      <p:sp>
-        <p:nvSpPr>
-          <p:cNvPr id="3" name="Content Placeholder 2">
-            <a:extLst>
-              <a:ext uri="{FF2B5EF4-FFF2-40B4-BE49-F238E27FC236}">
-                <a16:creationId xmlns:a16="http://schemas.microsoft.com/office/drawing/2014/main" id="{D7FA2D18-38A7-114E-8EA6-45DCDA0E2821}"/>
-              </a:ext>
-            </a:extLst>
-          </p:cNvPr>
-          <p:cNvSpPr>
-            <a:spLocks noGrp="1"/>
-          </p:cNvSpPr>
-          <p:nvPr>
-            <p:ph idx="1"/>
-          </p:nvPr>
-        </p:nvSpPr>
-        <p:spPr/>
-        <p:txBody>
-          <a:bodyPr>
-            <a:normAutofit lnSpcReduction="10000"/>
-          </a:bodyPr>
-          <a:lstStyle/>
-          <a:p>
-            <a:r>
-              <a:rPr lang="en-US" dirty="0"/>
-              <a:t>Evaluate – environment, experience</a:t>
-            </a:r>
-          </a:p>
-          <a:p>
-            <a:r>
-              <a:rPr lang="en-US" dirty="0"/>
-              <a:t>Get some tech</a:t>
-            </a:r>
-          </a:p>
-          <a:p>
-            <a:pPr lvl="1"/>
-            <a:r>
-              <a:rPr lang="en-US" dirty="0"/>
-              <a:t>Anaconda</a:t>
-            </a:r>
-          </a:p>
-          <a:p>
-            <a:pPr lvl="1"/>
-            <a:r>
-              <a:rPr lang="en-US" dirty="0"/>
-              <a:t>Docker</a:t>
-            </a:r>
-          </a:p>
-          <a:p>
-            <a:pPr lvl="2"/>
-            <a:r>
-              <a:rPr lang="en-US" dirty="0"/>
-              <a:t>Anaconda</a:t>
-            </a:r>
-          </a:p>
-          <a:p>
-            <a:pPr lvl="2"/>
-            <a:r>
-              <a:rPr lang="en-US" dirty="0"/>
-              <a:t>Zeppelin</a:t>
-            </a:r>
-          </a:p>
-          <a:p>
-            <a:pPr lvl="2"/>
-            <a:r>
-              <a:rPr lang="en-US" dirty="0" err="1"/>
-              <a:t>JupyterHub</a:t>
-            </a:r>
-            <a:endParaRPr lang="en-US" dirty="0"/>
-          </a:p>
-          <a:p>
-            <a:r>
-              <a:rPr lang="en-US" dirty="0"/>
-              <a:t>Start </a:t>
-            </a:r>
-            <a:r>
-              <a:rPr lang="en-US" dirty="0" err="1"/>
-              <a:t>notebooking</a:t>
-            </a:r>
-            <a:r>
-              <a:rPr lang="en-US" dirty="0"/>
-              <a:t> – </a:t>
-            </a:r>
-            <a:r>
-              <a:rPr lang="en-US" dirty="0" err="1"/>
-              <a:t>github</a:t>
-            </a:r>
-            <a:r>
-              <a:rPr lang="en-US" dirty="0"/>
-              <a:t>, blogs</a:t>
-            </a:r>
-          </a:p>
-          <a:p>
-            <a:pPr lvl="1"/>
-            <a:endParaRPr lang="en-US" dirty="0"/>
-          </a:p>
-          <a:p>
-            <a:pPr lvl="1"/>
-            <a:endParaRPr lang="en-US" dirty="0"/>
-          </a:p>
-        </p:txBody>
-      </p:sp>
-    </p:spTree>
-    <p:extLst>
-      <p:ext uri="{BB962C8B-B14F-4D97-AF65-F5344CB8AC3E}">
-        <p14:creationId xmlns:p14="http://schemas.microsoft.com/office/powerpoint/2010/main" val="2685553469"/>
-      </p:ext>
-    </p:extLst>
-  </p:cSld>
-  <p:clrMapOvr>
-    <a:masterClrMapping/>
-  </p:clrMapOvr>
-</p:sld>
-</file>
-
-<file path=ppt/slides/slide16.xml><?xml version="1.0" encoding="utf-8"?>
-<p:sld xmlns:a="http://schemas.openxmlformats.org/drawingml/2006/main" xmlns:r="http://schemas.openxmlformats.org/officeDocument/2006/relationships" xmlns:p="http://schemas.openxmlformats.org/presentationml/2006/main">
-  <p:cSld>
-    <p:spTree>
-      <p:nvGrpSpPr>
-        <p:cNvPr id="1" name=""/>
-        <p:cNvGrpSpPr/>
-        <p:nvPr/>
-      </p:nvGrpSpPr>
-      <p:grpSpPr>
-        <a:xfrm>
-          <a:off x="0" y="0"/>
-          <a:ext cx="0" cy="0"/>
-          <a:chOff x="0" y="0"/>
-          <a:chExt cx="0" cy="0"/>
-        </a:xfrm>
-      </p:grpSpPr>
-      <p:sp>
-        <p:nvSpPr>
-          <p:cNvPr id="2" name="Title 1">
-            <a:extLst>
-              <a:ext uri="{FF2B5EF4-FFF2-40B4-BE49-F238E27FC236}">
                 <a16:creationId xmlns:a16="http://schemas.microsoft.com/office/drawing/2014/main" id="{2872A476-B486-914E-9E91-2328FB2EEB37}"/>
               </a:ext>
             </a:extLst>
@@ -4918,7 +4806,12 @@
             <p:ph idx="1"/>
           </p:nvPr>
         </p:nvSpPr>
-        <p:spPr/>
+        <p:spPr>
+          <a:xfrm>
+            <a:off x="731520" y="1802626"/>
+            <a:ext cx="8191763" cy="5752014"/>
+          </a:xfrm>
+        </p:spPr>
         <p:txBody>
           <a:bodyPr/>
           <a:lstStyle/>
@@ -4948,6 +4841,120 @@
           </a:p>
           <a:p>
             <a:endParaRPr lang="en-US" dirty="0"/>
+          </a:p>
+        </p:txBody>
+      </p:sp>
+      <p:pic>
+        <p:nvPicPr>
+          <p:cNvPr id="4" name="Picture 3">
+            <a:extLst>
+              <a:ext uri="{FF2B5EF4-FFF2-40B4-BE49-F238E27FC236}">
+                <a16:creationId xmlns:a16="http://schemas.microsoft.com/office/drawing/2014/main" id="{5643D913-C508-5A42-9993-31F4F3528737}"/>
+              </a:ext>
+            </a:extLst>
+          </p:cNvPr>
+          <p:cNvPicPr>
+            <a:picLocks noChangeAspect="1"/>
+          </p:cNvPicPr>
+          <p:nvPr/>
+        </p:nvPicPr>
+        <p:blipFill>
+          <a:blip r:embed="rId2"/>
+          <a:stretch>
+            <a:fillRect/>
+          </a:stretch>
+        </p:blipFill>
+        <p:spPr>
+          <a:xfrm>
+            <a:off x="8923283" y="1645920"/>
+            <a:ext cx="5707117" cy="4492832"/>
+          </a:xfrm>
+          <a:prstGeom prst="rect">
+            <a:avLst/>
+          </a:prstGeom>
+        </p:spPr>
+      </p:pic>
+      <p:sp>
+        <p:nvSpPr>
+          <p:cNvPr id="5" name="Oval 4">
+            <a:extLst>
+              <a:ext uri="{FF2B5EF4-FFF2-40B4-BE49-F238E27FC236}">
+                <a16:creationId xmlns:a16="http://schemas.microsoft.com/office/drawing/2014/main" id="{F21F267C-4326-4542-8E45-CC249C38EB97}"/>
+              </a:ext>
+            </a:extLst>
+          </p:cNvPr>
+          <p:cNvSpPr/>
+          <p:nvPr/>
+        </p:nvSpPr>
+        <p:spPr>
+          <a:xfrm>
+            <a:off x="9162392" y="4114800"/>
+            <a:ext cx="2860675" cy="693683"/>
+          </a:xfrm>
+          <a:prstGeom prst="ellipse">
+            <a:avLst/>
+          </a:prstGeom>
+          <a:noFill/>
+          <a:ln w="114300"/>
+        </p:spPr>
+        <p:style>
+          <a:lnRef idx="1">
+            <a:schemeClr val="accent1"/>
+          </a:lnRef>
+          <a:fillRef idx="3">
+            <a:schemeClr val="accent1"/>
+          </a:fillRef>
+          <a:effectRef idx="2">
+            <a:schemeClr val="accent1"/>
+          </a:effectRef>
+          <a:fontRef idx="minor">
+            <a:schemeClr val="lt1"/>
+          </a:fontRef>
+        </p:style>
+        <p:txBody>
+          <a:bodyPr rtlCol="0" anchor="ctr"/>
+          <a:lstStyle/>
+          <a:p>
+            <a:pPr algn="ctr"/>
+            <a:endParaRPr lang="en-US"/>
+          </a:p>
+        </p:txBody>
+      </p:sp>
+      <p:sp>
+        <p:nvSpPr>
+          <p:cNvPr id="7" name="TextBox 6">
+            <a:extLst>
+              <a:ext uri="{FF2B5EF4-FFF2-40B4-BE49-F238E27FC236}">
+                <a16:creationId xmlns:a16="http://schemas.microsoft.com/office/drawing/2014/main" id="{E694B572-1319-BF47-BEC0-A3D890A03C05}"/>
+              </a:ext>
+            </a:extLst>
+          </p:cNvPr>
+          <p:cNvSpPr txBox="1"/>
+          <p:nvPr/>
+        </p:nvSpPr>
+        <p:spPr>
+          <a:xfrm>
+            <a:off x="7499350" y="6289152"/>
+            <a:ext cx="7131050" cy="923330"/>
+          </a:xfrm>
+          <a:prstGeom prst="rect">
+            <a:avLst/>
+          </a:prstGeom>
+          <a:noFill/>
+        </p:spPr>
+        <p:txBody>
+          <a:bodyPr wrap="square" rtlCol="0">
+            <a:spAutoFit/>
+          </a:bodyPr>
+          <a:lstStyle/>
+          <a:p>
+            <a:r>
+              <a:rPr lang="en-US" sz="1800" dirty="0">
+                <a:hlinkClick r:id="rId3"/>
+              </a:rPr>
+              <a:t>http://www.irongeek.com/i.php?page=videos/derbycon9/2-02-scientific-computing-for-information-security-forging-the-missing-link-ryan-elkins</a:t>
+            </a:r>
+            <a:endParaRPr lang="en-US" sz="1800" dirty="0"/>
           </a:p>
         </p:txBody>
       </p:sp>
@@ -4955,89 +4962,6 @@
     <p:extLst>
       <p:ext uri="{BB962C8B-B14F-4D97-AF65-F5344CB8AC3E}">
         <p14:creationId xmlns:p14="http://schemas.microsoft.com/office/powerpoint/2010/main" val="1478173624"/>
-      </p:ext>
-    </p:extLst>
-  </p:cSld>
-  <p:clrMapOvr>
-    <a:masterClrMapping/>
-  </p:clrMapOvr>
-</p:sld>
-</file>
-
-<file path=ppt/slides/slide17.xml><?xml version="1.0" encoding="utf-8"?>
-<p:sld xmlns:a="http://schemas.openxmlformats.org/drawingml/2006/main" xmlns:r="http://schemas.openxmlformats.org/officeDocument/2006/relationships" xmlns:p="http://schemas.openxmlformats.org/presentationml/2006/main">
-  <p:cSld>
-    <p:spTree>
-      <p:nvGrpSpPr>
-        <p:cNvPr id="1" name=""/>
-        <p:cNvGrpSpPr/>
-        <p:nvPr/>
-      </p:nvGrpSpPr>
-      <p:grpSpPr>
-        <a:xfrm>
-          <a:off x="0" y="0"/>
-          <a:ext cx="0" cy="0"/>
-          <a:chOff x="0" y="0"/>
-          <a:chExt cx="0" cy="0"/>
-        </a:xfrm>
-      </p:grpSpPr>
-      <p:sp>
-        <p:nvSpPr>
-          <p:cNvPr id="2" name="Title 1">
-            <a:extLst>
-              <a:ext uri="{FF2B5EF4-FFF2-40B4-BE49-F238E27FC236}">
-                <a16:creationId xmlns:a16="http://schemas.microsoft.com/office/drawing/2014/main" id="{19ADDD8E-9F21-C74C-925D-DA9C76CDFA54}"/>
-              </a:ext>
-            </a:extLst>
-          </p:cNvPr>
-          <p:cNvSpPr>
-            <a:spLocks noGrp="1"/>
-          </p:cNvSpPr>
-          <p:nvPr>
-            <p:ph type="title"/>
-          </p:nvPr>
-        </p:nvSpPr>
-        <p:spPr/>
-        <p:txBody>
-          <a:bodyPr/>
-          <a:lstStyle/>
-          <a:p>
-            <a:r>
-              <a:rPr lang="en-US" dirty="0"/>
-              <a:t>Extra slides</a:t>
-            </a:r>
-          </a:p>
-        </p:txBody>
-      </p:sp>
-      <p:sp>
-        <p:nvSpPr>
-          <p:cNvPr id="3" name="Content Placeholder 2">
-            <a:extLst>
-              <a:ext uri="{FF2B5EF4-FFF2-40B4-BE49-F238E27FC236}">
-                <a16:creationId xmlns:a16="http://schemas.microsoft.com/office/drawing/2014/main" id="{72EBBE7E-58D7-3747-9B47-129D52AC02A5}"/>
-              </a:ext>
-            </a:extLst>
-          </p:cNvPr>
-          <p:cNvSpPr>
-            <a:spLocks noGrp="1"/>
-          </p:cNvSpPr>
-          <p:nvPr>
-            <p:ph idx="1"/>
-          </p:nvPr>
-        </p:nvSpPr>
-        <p:spPr/>
-        <p:txBody>
-          <a:bodyPr/>
-          <a:lstStyle/>
-          <a:p>
-            <a:endParaRPr lang="en-US" dirty="0"/>
-          </a:p>
-        </p:txBody>
-      </p:sp>
-    </p:spTree>
-    <p:extLst>
-      <p:ext uri="{BB962C8B-B14F-4D97-AF65-F5344CB8AC3E}">
-        <p14:creationId xmlns:p14="http://schemas.microsoft.com/office/powerpoint/2010/main" val="2686191229"/>
       </p:ext>
     </p:extLst>
   </p:cSld>
@@ -5108,10 +5032,24 @@
             <p:ph idx="1"/>
           </p:nvPr>
         </p:nvSpPr>
-        <p:spPr/>
-        <p:txBody>
-          <a:bodyPr/>
-          <a:lstStyle/>
+        <p:spPr>
+          <a:xfrm>
+            <a:off x="464819" y="1645920"/>
+            <a:ext cx="13661083" cy="5752014"/>
+          </a:xfrm>
+        </p:spPr>
+        <p:txBody>
+          <a:bodyPr/>
+          <a:lstStyle/>
+          <a:p>
+            <a:r>
+              <a:rPr lang="en-US" dirty="0">
+                <a:hlinkClick r:id="rId2"/>
+              </a:rPr>
+              <a:t>https://github.com/tlhendri/tptip_preso</a:t>
+            </a:r>
+            <a:endParaRPr lang="en-US" dirty="0"/>
+          </a:p>
           <a:p>
             <a:r>
               <a:rPr lang="en-US" dirty="0"/>
@@ -6109,49 +6047,42 @@
           <a:p>
             <a:r>
               <a:rPr lang="en-US" dirty="0"/>
-              <a:t>Detections = handled?</a:t>
+              <a:t>Detections = handled</a:t>
             </a:r>
           </a:p>
           <a:p>
             <a:pPr lvl="1"/>
             <a:r>
               <a:rPr lang="en-US" dirty="0"/>
-              <a:t>Repeat offenders</a:t>
+              <a:t>What’s normal?</a:t>
+            </a:r>
+          </a:p>
+          <a:p>
+            <a:pPr lvl="2"/>
+            <a:r>
+              <a:rPr lang="en-US" dirty="0"/>
+              <a:t>Time series</a:t>
+            </a:r>
+          </a:p>
+          <a:p>
+            <a:pPr lvl="2"/>
+            <a:r>
+              <a:rPr lang="en-US" dirty="0"/>
+              <a:t>Number</a:t>
             </a:r>
           </a:p>
           <a:p>
             <a:pPr lvl="1"/>
             <a:r>
               <a:rPr lang="en-US" dirty="0"/>
-              <a:t>Loads in minutes</a:t>
+              <a:t>Threshold estimation</a:t>
             </a:r>
           </a:p>
           <a:p>
             <a:pPr lvl="2"/>
             <a:r>
               <a:rPr lang="en-US" dirty="0"/>
-              <a:t>Same signature</a:t>
-            </a:r>
-          </a:p>
-          <a:p>
-            <a:pPr lvl="2"/>
-            <a:r>
-              <a:rPr lang="en-US" dirty="0"/>
-              <a:t>Same host</a:t>
-            </a:r>
-          </a:p>
-          <a:p>
-            <a:pPr lvl="2"/>
-            <a:r>
-              <a:rPr lang="en-US" dirty="0"/>
-              <a:t>String</a:t>
-            </a:r>
-          </a:p>
-          <a:p>
-            <a:pPr lvl="1"/>
-            <a:r>
-              <a:rPr lang="en-US" dirty="0"/>
-              <a:t>What’s normal?</a:t>
+              <a:t>Expands to other use cases</a:t>
             </a:r>
           </a:p>
           <a:p>
